--- a/documents/Qt Alarm Clock.pptx
+++ b/documents/Qt Alarm Clock.pptx
@@ -3867,7 +3867,7 @@
           <a:p>
             <a:pPr algn="r"/>
             <a:r>
-              <a:rPr lang="ru-RU" altLang="en-US">
+              <a:rPr>
                 <a:effectLst>
                   <a:outerShdw blurRad="38100" dist="38100" dir="2700000" algn="tl">
                     <a:srgbClr val="000000">
@@ -3878,37 +3878,9 @@
                 <a:latin typeface="JetBrains Mono Light" panose="020B0309020102050004" charset="0"/>
                 <a:cs typeface="JetBrains Mono Light" panose="020B0309020102050004" charset="0"/>
               </a:rPr>
-              <a:t>https://github.com/DARK-LORD</a:t>
-            </a:r>
-            <a:r>
-              <a:rPr lang="" altLang="ru-RU">
-                <a:effectLst>
-                  <a:outerShdw blurRad="38100" dist="38100" dir="2700000" algn="tl">
-                    <a:srgbClr val="000000">
-                      <a:alpha val="43137"/>
-                    </a:srgbClr>
-                  </a:outerShdw>
-                </a:effectLst>
-                <a:latin typeface="JetBrains Mono Light" panose="020B0309020102050004" charset="0"/>
-                <a:cs typeface="JetBrains Mono Light" panose="020B0309020102050004" charset="0"/>
-              </a:rPr>
-              <a:t>-</a:t>
-            </a:r>
-            <a:r>
-              <a:rPr lang="ru-RU" altLang="en-US">
-                <a:effectLst>
-                  <a:outerShdw blurRad="38100" dist="38100" dir="2700000" algn="tl">
-                    <a:srgbClr val="000000">
-                      <a:alpha val="43137"/>
-                    </a:srgbClr>
-                  </a:outerShdw>
-                </a:effectLst>
-                <a:latin typeface="JetBrains Mono Light" panose="020B0309020102050004" charset="0"/>
-                <a:cs typeface="JetBrains Mono Light" panose="020B0309020102050004" charset="0"/>
-              </a:rPr>
-              <a:t>linux/Qt_Alarm_Clock_project.git</a:t>
-            </a:r>
-            <a:endParaRPr lang="ru-RU" altLang="en-US">
+              <a:t>https://github.com/fasepaIm/Qt_Alarm_Clock_project.git</a:t>
+            </a:r>
+            <a:endParaRPr>
               <a:effectLst>
                 <a:outerShdw blurRad="38100" dist="38100" dir="2700000" algn="tl">
                   <a:srgbClr val="000000">

--- a/documents/Qt Alarm Clock.pptx
+++ b/documents/Qt Alarm Clock.pptx
@@ -5,10 +5,10 @@
     <p:sldMasterId id="2147483648" r:id="rId1"/>
   </p:sldMasterIdLst>
   <p:notesMasterIdLst>
-    <p:notesMasterId r:id="rId14"/>
+    <p:notesMasterId r:id="rId15"/>
   </p:notesMasterIdLst>
   <p:handoutMasterIdLst>
-    <p:handoutMasterId r:id="rId15"/>
+    <p:handoutMasterId r:id="rId16"/>
   </p:handoutMasterIdLst>
   <p:sldIdLst>
     <p:sldId id="256" r:id="rId3"/>
@@ -17,11 +17,12 @@
     <p:sldId id="258" r:id="rId6"/>
     <p:sldId id="265" r:id="rId7"/>
     <p:sldId id="259" r:id="rId8"/>
-    <p:sldId id="260" r:id="rId9"/>
+    <p:sldId id="277" r:id="rId9"/>
     <p:sldId id="261" r:id="rId10"/>
     <p:sldId id="262" r:id="rId11"/>
-    <p:sldId id="264" r:id="rId12"/>
-    <p:sldId id="263" r:id="rId13"/>
+    <p:sldId id="260" r:id="rId12"/>
+    <p:sldId id="264" r:id="rId13"/>
+    <p:sldId id="263" r:id="rId14"/>
   </p:sldIdLst>
   <p:sldSz cx="12192000" cy="6858000"/>
   <p:notesSz cx="7103745" cy="10234295"/>
@@ -3660,6 +3661,109 @@
       <p:grpSpPr/>
       <p:sp>
         <p:nvSpPr>
+          <p:cNvPr id="2" name="Title 1"/>
+          <p:cNvSpPr>
+            <a:spLocks noGrp="true"/>
+          </p:cNvSpPr>
+          <p:nvPr>
+            <p:ph type="title"/>
+          </p:nvPr>
+        </p:nvSpPr>
+        <p:spPr>
+          <a:xfrm>
+            <a:off x="724535" y="228124"/>
+            <a:ext cx="10515600" cy="1325563"/>
+          </a:xfrm>
+        </p:spPr>
+        <p:txBody>
+          <a:bodyPr>
+            <a:normAutofit fontScale="90000"/>
+          </a:bodyPr>
+          <a:p>
+            <a:r>
+              <a:rPr lang="ru-RU" altLang="en-US">
+                <a:effectLst/>
+                <a:latin typeface="JetBrains Mono Light" panose="020B0309020102050004" charset="0"/>
+                <a:cs typeface="JetBrains Mono Light" panose="020B0309020102050004" charset="0"/>
+              </a:rPr>
+              <a:t>Окно выбора мелодии будильника</a:t>
+            </a:r>
+            <a:endParaRPr lang="ru-RU" altLang="en-US">
+              <a:effectLst/>
+              <a:latin typeface="JetBrains Mono Light" panose="020B0309020102050004" charset="0"/>
+              <a:cs typeface="JetBrains Mono Light" panose="020B0309020102050004" charset="0"/>
+            </a:endParaRPr>
+          </a:p>
+        </p:txBody>
+      </p:sp>
+      <p:pic>
+        <p:nvPicPr>
+          <p:cNvPr id="3" name="Picture 2" descr="Screenshot_20201118_221758"/>
+          <p:cNvPicPr>
+            <a:picLocks noChangeAspect="true"/>
+          </p:cNvPicPr>
+          <p:nvPr/>
+        </p:nvPicPr>
+        <p:blipFill>
+          <a:blip r:embed="rId1"/>
+          <a:stretch>
+            <a:fillRect/>
+          </a:stretch>
+        </p:blipFill>
+        <p:spPr>
+          <a:xfrm>
+            <a:off x="3780790" y="1657350"/>
+            <a:ext cx="3272155" cy="4446905"/>
+          </a:xfrm>
+          <a:prstGeom prst="rect">
+            <a:avLst/>
+          </a:prstGeom>
+        </p:spPr>
+      </p:pic>
+      <p:pic>
+        <p:nvPicPr>
+          <p:cNvPr id="8" name="Picture 7" descr="photodraw.ru-76973"/>
+          <p:cNvPicPr>
+            <a:picLocks noChangeAspect="true"/>
+          </p:cNvPicPr>
+          <p:nvPr/>
+        </p:nvPicPr>
+        <p:blipFill>
+          <a:blip r:embed="rId2"/>
+          <a:stretch>
+            <a:fillRect/>
+          </a:stretch>
+        </p:blipFill>
+        <p:spPr>
+          <a:xfrm>
+            <a:off x="11445875" y="7620"/>
+            <a:ext cx="702310" cy="683260"/>
+          </a:xfrm>
+          <a:prstGeom prst="rect">
+            <a:avLst/>
+          </a:prstGeom>
+        </p:spPr>
+      </p:pic>
+    </p:spTree>
+  </p:cSld>
+  <p:clrMapOvr>
+    <a:masterClrMapping/>
+  </p:clrMapOvr>
+</p:sld>
+</file>
+
+<file path=ppt/slides/slide11.xml><?xml version="1.0" encoding="utf-8"?>
+<p:sld xmlns:a="http://schemas.openxmlformats.org/drawingml/2006/main" xmlns:r="http://schemas.openxmlformats.org/officeDocument/2006/relationships" xmlns:p="http://schemas.openxmlformats.org/presentationml/2006/main">
+  <p:cSld>
+    <p:spTree>
+      <p:nvGrpSpPr>
+        <p:cNvPr id="1" name=""/>
+        <p:cNvGrpSpPr/>
+        <p:nvPr/>
+      </p:nvGrpSpPr>
+      <p:grpSpPr/>
+      <p:sp>
+        <p:nvSpPr>
           <p:cNvPr id="3" name="Title 2"/>
           <p:cNvSpPr>
             <a:spLocks noGrp="true"/>
@@ -3902,7 +4006,7 @@
 </p:sld>
 </file>
 
-<file path=ppt/slides/slide11.xml><?xml version="1.0" encoding="utf-8"?>
+<file path=ppt/slides/slide12.xml><?xml version="1.0" encoding="utf-8"?>
 <p:sld xmlns:a="http://schemas.openxmlformats.org/drawingml/2006/main" xmlns:r="http://schemas.openxmlformats.org/officeDocument/2006/relationships" xmlns:p="http://schemas.openxmlformats.org/presentationml/2006/main">
   <p:cSld>
     <p:spTree>
@@ -4406,16 +4510,40 @@
         <p:nvPr/>
       </p:nvGrpSpPr>
       <p:grpSpPr/>
-      <p:sp>
-        <p:nvSpPr>
-          <p:cNvPr id="32" name="Snip Single Corner Rectangle 31"/>
+      <p:pic>
+        <p:nvPicPr>
+          <p:cNvPr id="2" name="Picture 1" descr="Screenshot_20201129_175555"/>
+          <p:cNvPicPr>
+            <a:picLocks noChangeAspect="true"/>
+          </p:cNvPicPr>
+          <p:nvPr/>
+        </p:nvPicPr>
+        <p:blipFill>
+          <a:blip r:embed="rId1"/>
+          <a:stretch>
+            <a:fillRect/>
+          </a:stretch>
+        </p:blipFill>
+        <p:spPr>
+          <a:xfrm>
+            <a:off x="1674495" y="974090"/>
+            <a:ext cx="8735060" cy="5285105"/>
+          </a:xfrm>
+          <a:prstGeom prst="rect">
+            <a:avLst/>
+          </a:prstGeom>
+        </p:spPr>
+      </p:pic>
+      <p:sp>
+        <p:nvSpPr>
+          <p:cNvPr id="31" name="Snip Single Corner Rectangle 30"/>
           <p:cNvSpPr/>
           <p:nvPr/>
         </p:nvSpPr>
         <p:spPr>
           <a:xfrm>
-            <a:off x="10409555" y="5271770"/>
-            <a:ext cx="1533525" cy="1492885"/>
+            <a:off x="10409555" y="4101465"/>
+            <a:ext cx="1523365" cy="995045"/>
           </a:xfrm>
           <a:prstGeom prst="snip1Rect">
             <a:avLst/>
@@ -4447,14 +4575,14 @@
       </p:sp>
       <p:sp>
         <p:nvSpPr>
-          <p:cNvPr id="31" name="Snip Single Corner Rectangle 30"/>
+          <p:cNvPr id="30" name="Snip Single Corner Rectangle 29"/>
           <p:cNvSpPr/>
           <p:nvPr/>
         </p:nvSpPr>
         <p:spPr>
           <a:xfrm>
-            <a:off x="10409555" y="4101465"/>
-            <a:ext cx="1523365" cy="995045"/>
+            <a:off x="10420350" y="1038225"/>
+            <a:ext cx="1512570" cy="2799715"/>
           </a:xfrm>
           <a:prstGeom prst="snip1Rect">
             <a:avLst/>
@@ -4486,14 +4614,14 @@
       </p:sp>
       <p:sp>
         <p:nvSpPr>
-          <p:cNvPr id="30" name="Snip Single Corner Rectangle 29"/>
+          <p:cNvPr id="28" name="Snip Single Corner Rectangle 27"/>
           <p:cNvSpPr/>
           <p:nvPr/>
         </p:nvSpPr>
         <p:spPr>
           <a:xfrm>
-            <a:off x="10420350" y="1038225"/>
-            <a:ext cx="1512570" cy="2553970"/>
+            <a:off x="102870" y="5271770"/>
+            <a:ext cx="1554480" cy="1169670"/>
           </a:xfrm>
           <a:prstGeom prst="snip1Rect">
             <a:avLst/>
@@ -4525,14 +4653,14 @@
       </p:sp>
       <p:sp>
         <p:nvSpPr>
-          <p:cNvPr id="29" name="Snip Single Corner Rectangle 28"/>
+          <p:cNvPr id="26" name="Snip Single Corner Rectangle 25"/>
           <p:cNvSpPr/>
           <p:nvPr/>
         </p:nvSpPr>
         <p:spPr>
           <a:xfrm>
-            <a:off x="2029460" y="6390005"/>
-            <a:ext cx="2610485" cy="450215"/>
+            <a:off x="102235" y="2601595"/>
+            <a:ext cx="1553845" cy="829945"/>
           </a:xfrm>
           <a:prstGeom prst="snip1Rect">
             <a:avLst/>
@@ -4564,162 +4692,6 @@
       </p:sp>
       <p:sp>
         <p:nvSpPr>
-          <p:cNvPr id="28" name="Snip Single Corner Rectangle 27"/>
-          <p:cNvSpPr/>
-          <p:nvPr/>
-        </p:nvSpPr>
-        <p:spPr>
-          <a:xfrm>
-            <a:off x="102870" y="5271770"/>
-            <a:ext cx="1554480" cy="1169670"/>
-          </a:xfrm>
-          <a:prstGeom prst="snip1Rect">
-            <a:avLst/>
-          </a:prstGeom>
-        </p:spPr>
-        <p:style>
-          <a:lnRef idx="2">
-            <a:schemeClr val="accent4">
-              <a:shade val="50000"/>
-            </a:schemeClr>
-          </a:lnRef>
-          <a:fillRef idx="1">
-            <a:schemeClr val="accent4"/>
-          </a:fillRef>
-          <a:effectRef idx="0">
-            <a:schemeClr val="accent4"/>
-          </a:effectRef>
-          <a:fontRef idx="minor">
-            <a:schemeClr val="lt1"/>
-          </a:fontRef>
-        </p:style>
-        <p:txBody>
-          <a:bodyPr rtlCol="0" anchor="ctr"/>
-          <a:p>
-            <a:pPr algn="ctr"/>
-            <a:endParaRPr lang="en-US"/>
-          </a:p>
-        </p:txBody>
-      </p:sp>
-      <p:sp>
-        <p:nvSpPr>
-          <p:cNvPr id="27" name="Snip Single Corner Rectangle 26"/>
-          <p:cNvSpPr/>
-          <p:nvPr/>
-        </p:nvSpPr>
-        <p:spPr>
-          <a:xfrm>
-            <a:off x="101600" y="3686810"/>
-            <a:ext cx="1555115" cy="1321435"/>
-          </a:xfrm>
-          <a:prstGeom prst="snip1Rect">
-            <a:avLst/>
-          </a:prstGeom>
-        </p:spPr>
-        <p:style>
-          <a:lnRef idx="2">
-            <a:schemeClr val="accent4">
-              <a:shade val="50000"/>
-            </a:schemeClr>
-          </a:lnRef>
-          <a:fillRef idx="1">
-            <a:schemeClr val="accent4"/>
-          </a:fillRef>
-          <a:effectRef idx="0">
-            <a:schemeClr val="accent4"/>
-          </a:effectRef>
-          <a:fontRef idx="minor">
-            <a:schemeClr val="lt1"/>
-          </a:fontRef>
-        </p:style>
-        <p:txBody>
-          <a:bodyPr rtlCol="0" anchor="ctr"/>
-          <a:p>
-            <a:pPr algn="ctr"/>
-            <a:endParaRPr lang="en-US"/>
-          </a:p>
-        </p:txBody>
-      </p:sp>
-      <p:sp>
-        <p:nvSpPr>
-          <p:cNvPr id="26" name="Snip Single Corner Rectangle 25"/>
-          <p:cNvSpPr/>
-          <p:nvPr/>
-        </p:nvSpPr>
-        <p:spPr>
-          <a:xfrm>
-            <a:off x="102235" y="2601595"/>
-            <a:ext cx="1553845" cy="829945"/>
-          </a:xfrm>
-          <a:prstGeom prst="snip1Rect">
-            <a:avLst/>
-          </a:prstGeom>
-        </p:spPr>
-        <p:style>
-          <a:lnRef idx="2">
-            <a:schemeClr val="accent4">
-              <a:shade val="50000"/>
-            </a:schemeClr>
-          </a:lnRef>
-          <a:fillRef idx="1">
-            <a:schemeClr val="accent4"/>
-          </a:fillRef>
-          <a:effectRef idx="0">
-            <a:schemeClr val="accent4"/>
-          </a:effectRef>
-          <a:fontRef idx="minor">
-            <a:schemeClr val="lt1"/>
-          </a:fontRef>
-        </p:style>
-        <p:txBody>
-          <a:bodyPr rtlCol="0" anchor="ctr"/>
-          <a:p>
-            <a:pPr algn="ctr"/>
-            <a:endParaRPr lang="en-US"/>
-          </a:p>
-        </p:txBody>
-      </p:sp>
-      <p:sp>
-        <p:nvSpPr>
-          <p:cNvPr id="25" name="Snip Single Corner Rectangle 24"/>
-          <p:cNvSpPr/>
-          <p:nvPr/>
-        </p:nvSpPr>
-        <p:spPr>
-          <a:xfrm>
-            <a:off x="102870" y="1273175"/>
-            <a:ext cx="1553845" cy="829945"/>
-          </a:xfrm>
-          <a:prstGeom prst="snip1Rect">
-            <a:avLst/>
-          </a:prstGeom>
-        </p:spPr>
-        <p:style>
-          <a:lnRef idx="2">
-            <a:schemeClr val="accent4">
-              <a:shade val="50000"/>
-            </a:schemeClr>
-          </a:lnRef>
-          <a:fillRef idx="1">
-            <a:schemeClr val="accent4"/>
-          </a:fillRef>
-          <a:effectRef idx="0">
-            <a:schemeClr val="accent4"/>
-          </a:effectRef>
-          <a:fontRef idx="minor">
-            <a:schemeClr val="lt1"/>
-          </a:fontRef>
-        </p:style>
-        <p:txBody>
-          <a:bodyPr rtlCol="0" anchor="ctr"/>
-          <a:p>
-            <a:pPr algn="ctr"/>
-            <a:endParaRPr lang="en-US"/>
-          </a:p>
-        </p:txBody>
-      </p:sp>
-      <p:sp>
-        <p:nvSpPr>
           <p:cNvPr id="4" name="Title 3"/>
           <p:cNvSpPr>
             <a:spLocks noGrp="true"/>
@@ -4755,63 +4727,6 @@
           </a:p>
         </p:txBody>
       </p:sp>
-      <p:pic>
-        <p:nvPicPr>
-          <p:cNvPr id="5" name="Picture 4" descr="Screenshot_20201118_221743"/>
-          <p:cNvPicPr>
-            <a:picLocks noChangeAspect="true"/>
-          </p:cNvPicPr>
-          <p:nvPr/>
-        </p:nvPicPr>
-        <p:blipFill>
-          <a:blip r:embed="rId1"/>
-          <a:stretch>
-            <a:fillRect/>
-          </a:stretch>
-        </p:blipFill>
-        <p:spPr>
-          <a:xfrm>
-            <a:off x="1781810" y="974090"/>
-            <a:ext cx="8332470" cy="5461000"/>
-          </a:xfrm>
-          <a:prstGeom prst="rect">
-            <a:avLst/>
-          </a:prstGeom>
-        </p:spPr>
-      </p:pic>
-      <p:cxnSp>
-        <p:nvCxnSpPr>
-          <p:cNvPr id="7" name="Straight Arrow Connector 6"/>
-          <p:cNvCxnSpPr/>
-          <p:nvPr/>
-        </p:nvCxnSpPr>
-        <p:spPr>
-          <a:xfrm>
-            <a:off x="1573530" y="1988185"/>
-            <a:ext cx="756285" cy="321945"/>
-          </a:xfrm>
-          <a:prstGeom prst="straightConnector1">
-            <a:avLst/>
-          </a:prstGeom>
-          <a:ln>
-            <a:tailEnd type="arrow" w="med" len="med"/>
-          </a:ln>
-        </p:spPr>
-        <p:style>
-          <a:lnRef idx="3">
-            <a:schemeClr val="accent2"/>
-          </a:lnRef>
-          <a:fillRef idx="0">
-            <a:schemeClr val="accent2"/>
-          </a:fillRef>
-          <a:effectRef idx="2">
-            <a:schemeClr val="accent2"/>
-          </a:effectRef>
-          <a:fontRef idx="minor">
-            <a:schemeClr val="tx1"/>
-          </a:fontRef>
-        </p:style>
-      </p:cxnSp>
       <p:cxnSp>
         <p:nvCxnSpPr>
           <p:cNvPr id="8" name="Straight Arrow Connector 7"/>
@@ -4819,42 +4734,9 @@
           <p:nvPr/>
         </p:nvCxnSpPr>
         <p:spPr>
-          <a:xfrm>
-            <a:off x="1480185" y="2941320"/>
-            <a:ext cx="624205" cy="144780"/>
-          </a:xfrm>
-          <a:prstGeom prst="straightConnector1">
-            <a:avLst/>
-          </a:prstGeom>
-          <a:ln>
-            <a:tailEnd type="arrow" w="med" len="med"/>
-          </a:ln>
-        </p:spPr>
-        <p:style>
-          <a:lnRef idx="3">
-            <a:schemeClr val="accent2"/>
-          </a:lnRef>
-          <a:fillRef idx="0">
-            <a:schemeClr val="accent2"/>
-          </a:fillRef>
-          <a:effectRef idx="2">
-            <a:schemeClr val="accent2"/>
-          </a:effectRef>
-          <a:fontRef idx="minor">
-            <a:schemeClr val="tx1"/>
-          </a:fontRef>
-        </p:style>
-      </p:cxnSp>
-      <p:cxnSp>
-        <p:nvCxnSpPr>
-          <p:cNvPr id="9" name="Straight Arrow Connector 8"/>
-          <p:cNvCxnSpPr/>
-          <p:nvPr/>
-        </p:nvCxnSpPr>
-        <p:spPr>
           <a:xfrm flipV="true">
-            <a:off x="1594485" y="3086100"/>
-            <a:ext cx="2040890" cy="1015365"/>
+            <a:off x="1480185" y="2537460"/>
+            <a:ext cx="767080" cy="403860"/>
           </a:xfrm>
           <a:prstGeom prst="straightConnector1">
             <a:avLst/>
@@ -4885,9 +4767,9 @@
           <p:nvPr/>
         </p:nvCxnSpPr>
         <p:spPr>
-          <a:xfrm>
-            <a:off x="1428750" y="6028055"/>
-            <a:ext cx="675640" cy="107315"/>
+          <a:xfrm flipV="true">
+            <a:off x="1428750" y="5976620"/>
+            <a:ext cx="745490" cy="51435"/>
           </a:xfrm>
           <a:prstGeom prst="straightConnector1">
             <a:avLst/>
@@ -4913,14 +4795,587 @@
       </p:cxnSp>
       <p:cxnSp>
         <p:nvCxnSpPr>
+          <p:cNvPr id="13" name="Straight Arrow Connector 12"/>
+          <p:cNvCxnSpPr/>
+          <p:nvPr/>
+        </p:nvCxnSpPr>
+        <p:spPr>
+          <a:xfrm flipH="true">
+            <a:off x="9156700" y="4703445"/>
+            <a:ext cx="1305560" cy="1221105"/>
+          </a:xfrm>
+          <a:prstGeom prst="straightConnector1">
+            <a:avLst/>
+          </a:prstGeom>
+          <a:ln>
+            <a:tailEnd type="arrow" w="med" len="med"/>
+          </a:ln>
+        </p:spPr>
+        <p:style>
+          <a:lnRef idx="3">
+            <a:schemeClr val="accent2"/>
+          </a:lnRef>
+          <a:fillRef idx="0">
+            <a:schemeClr val="accent2"/>
+          </a:fillRef>
+          <a:effectRef idx="2">
+            <a:schemeClr val="accent2"/>
+          </a:effectRef>
+          <a:fontRef idx="minor">
+            <a:schemeClr val="tx1"/>
+          </a:fontRef>
+        </p:style>
+      </p:cxnSp>
+      <p:sp>
+        <p:nvSpPr>
+          <p:cNvPr id="16" name="Text Box 15"/>
+          <p:cNvSpPr txBox="true"/>
+          <p:nvPr/>
+        </p:nvSpPr>
+        <p:spPr>
+          <a:xfrm>
+            <a:off x="102235" y="2601595"/>
+            <a:ext cx="1679575" cy="829945"/>
+          </a:xfrm>
+          <a:prstGeom prst="rect">
+            <a:avLst/>
+          </a:prstGeom>
+          <a:noFill/>
+        </p:spPr>
+        <p:txBody>
+          <a:bodyPr wrap="square" rtlCol="0">
+            <a:spAutoFit/>
+          </a:bodyPr>
+          <a:p>
+            <a:r>
+              <a:rPr lang="ru-RU" altLang="en-US" sz="1600">
+                <a:latin typeface="JetBrains Mono Light" panose="020B0309020102050004" charset="0"/>
+                <a:cs typeface="JetBrains Mono Light" panose="020B0309020102050004" charset="0"/>
+              </a:rPr>
+              <a:t>Кнопка для добавления напоминания</a:t>
+            </a:r>
+            <a:endParaRPr lang="ru-RU" altLang="en-US" sz="1600">
+              <a:latin typeface="JetBrains Mono Light" panose="020B0309020102050004" charset="0"/>
+              <a:cs typeface="JetBrains Mono Light" panose="020B0309020102050004" charset="0"/>
+            </a:endParaRPr>
+          </a:p>
+        </p:txBody>
+      </p:sp>
+      <p:sp>
+        <p:nvSpPr>
+          <p:cNvPr id="19" name="Text Box 18"/>
+          <p:cNvSpPr txBox="true"/>
+          <p:nvPr/>
+        </p:nvSpPr>
+        <p:spPr>
+          <a:xfrm>
+            <a:off x="154305" y="5314315"/>
+            <a:ext cx="1679575" cy="1076325"/>
+          </a:xfrm>
+          <a:prstGeom prst="rect">
+            <a:avLst/>
+          </a:prstGeom>
+          <a:noFill/>
+        </p:spPr>
+        <p:txBody>
+          <a:bodyPr wrap="square" rtlCol="0">
+            <a:spAutoFit/>
+          </a:bodyPr>
+          <a:p>
+            <a:r>
+              <a:rPr lang="ru-RU" altLang="en-US" sz="1600">
+                <a:latin typeface="JetBrains Mono Light" panose="020B0309020102050004" charset="0"/>
+                <a:cs typeface="JetBrains Mono Light" panose="020B0309020102050004" charset="0"/>
+              </a:rPr>
+              <a:t>Кнопка вызова меню изменения циферблата</a:t>
+            </a:r>
+            <a:endParaRPr lang="ru-RU" altLang="en-US" sz="1600">
+              <a:latin typeface="JetBrains Mono Light" panose="020B0309020102050004" charset="0"/>
+              <a:cs typeface="JetBrains Mono Light" panose="020B0309020102050004" charset="0"/>
+            </a:endParaRPr>
+          </a:p>
+        </p:txBody>
+      </p:sp>
+      <p:sp>
+        <p:nvSpPr>
+          <p:cNvPr id="22" name="Text Box 21"/>
+          <p:cNvSpPr txBox="true"/>
+          <p:nvPr/>
+        </p:nvSpPr>
+        <p:spPr>
+          <a:xfrm>
+            <a:off x="10420350" y="4020185"/>
+            <a:ext cx="1522730" cy="1076325"/>
+          </a:xfrm>
+          <a:prstGeom prst="rect">
+            <a:avLst/>
+          </a:prstGeom>
+          <a:noFill/>
+        </p:spPr>
+        <p:txBody>
+          <a:bodyPr wrap="square" rtlCol="0">
+            <a:spAutoFit/>
+          </a:bodyPr>
+          <a:p>
+            <a:r>
+              <a:rPr lang="ru-RU" altLang="en-US" sz="1600">
+                <a:latin typeface="JetBrains Mono Light" panose="020B0309020102050004" charset="0"/>
+                <a:cs typeface="JetBrains Mono Light" panose="020B0309020102050004" charset="0"/>
+              </a:rPr>
+              <a:t>Кнопка для удаления записи будильника</a:t>
+            </a:r>
+            <a:endParaRPr lang="ru-RU" altLang="en-US" sz="1600">
+              <a:latin typeface="JetBrains Mono Light" panose="020B0309020102050004" charset="0"/>
+              <a:cs typeface="JetBrains Mono Light" panose="020B0309020102050004" charset="0"/>
+            </a:endParaRPr>
+          </a:p>
+        </p:txBody>
+      </p:sp>
+      <p:cxnSp>
+        <p:nvCxnSpPr>
+          <p:cNvPr id="23" name="Straight Arrow Connector 22"/>
+          <p:cNvCxnSpPr/>
+          <p:nvPr/>
+        </p:nvCxnSpPr>
+        <p:spPr>
+          <a:xfrm flipH="true" flipV="true">
+            <a:off x="8887460" y="2527935"/>
+            <a:ext cx="1616075" cy="280035"/>
+          </a:xfrm>
+          <a:prstGeom prst="straightConnector1">
+            <a:avLst/>
+          </a:prstGeom>
+          <a:ln>
+            <a:tailEnd type="arrow" w="med" len="med"/>
+          </a:ln>
+        </p:spPr>
+        <p:style>
+          <a:lnRef idx="3">
+            <a:schemeClr val="accent2"/>
+          </a:lnRef>
+          <a:fillRef idx="0">
+            <a:schemeClr val="accent2"/>
+          </a:fillRef>
+          <a:effectRef idx="2">
+            <a:schemeClr val="accent2"/>
+          </a:effectRef>
+          <a:fontRef idx="minor">
+            <a:schemeClr val="tx1"/>
+          </a:fontRef>
+        </p:style>
+      </p:cxnSp>
+      <p:sp>
+        <p:nvSpPr>
+          <p:cNvPr id="24" name="Text Box 23"/>
+          <p:cNvSpPr txBox="true"/>
+          <p:nvPr/>
+        </p:nvSpPr>
+        <p:spPr>
+          <a:xfrm>
+            <a:off x="10409555" y="1038225"/>
+            <a:ext cx="1512570" cy="2799715"/>
+          </a:xfrm>
+          <a:prstGeom prst="rect">
+            <a:avLst/>
+          </a:prstGeom>
+          <a:noFill/>
+        </p:spPr>
+        <p:txBody>
+          <a:bodyPr wrap="square" rtlCol="0">
+            <a:spAutoFit/>
+          </a:bodyPr>
+          <a:p>
+            <a:r>
+              <a:rPr lang="ru-RU" altLang="en-US" sz="1600">
+                <a:latin typeface="JetBrains Mono Light" panose="020B0309020102050004" charset="0"/>
+                <a:cs typeface="JetBrains Mono Light" panose="020B0309020102050004" charset="0"/>
+              </a:rPr>
+              <a:t>Таблица с напоминаниями. (Для внесения изменений необходимо дважды кликнуть на строку с нужной записью)</a:t>
+            </a:r>
+            <a:endParaRPr lang="ru-RU" altLang="en-US" sz="1600">
+              <a:latin typeface="JetBrains Mono Light" panose="020B0309020102050004" charset="0"/>
+              <a:cs typeface="JetBrains Mono Light" panose="020B0309020102050004" charset="0"/>
+            </a:endParaRPr>
+          </a:p>
+        </p:txBody>
+      </p:sp>
+      <p:pic>
+        <p:nvPicPr>
+          <p:cNvPr id="33" name="Picture 32" descr="photodraw.ru-76973"/>
+          <p:cNvPicPr>
+            <a:picLocks noChangeAspect="true"/>
+          </p:cNvPicPr>
+          <p:nvPr/>
+        </p:nvPicPr>
+        <p:blipFill>
+          <a:blip r:embed="rId2"/>
+          <a:stretch>
+            <a:fillRect/>
+          </a:stretch>
+        </p:blipFill>
+        <p:spPr>
+          <a:xfrm>
+            <a:off x="11445875" y="7620"/>
+            <a:ext cx="702310" cy="683260"/>
+          </a:xfrm>
+          <a:prstGeom prst="rect">
+            <a:avLst/>
+          </a:prstGeom>
+        </p:spPr>
+      </p:pic>
+    </p:spTree>
+  </p:cSld>
+  <p:clrMapOvr>
+    <a:masterClrMapping/>
+  </p:clrMapOvr>
+</p:sld>
+</file>
+
+<file path=ppt/slides/slide7.xml><?xml version="1.0" encoding="utf-8"?>
+<p:sld xmlns:a="http://schemas.openxmlformats.org/drawingml/2006/main" xmlns:r="http://schemas.openxmlformats.org/officeDocument/2006/relationships" xmlns:p="http://schemas.openxmlformats.org/presentationml/2006/main">
+  <p:cSld>
+    <p:spTree>
+      <p:nvGrpSpPr>
+        <p:cNvPr id="1" name=""/>
+        <p:cNvGrpSpPr/>
+        <p:nvPr/>
+      </p:nvGrpSpPr>
+      <p:grpSpPr/>
+      <p:sp>
+        <p:nvSpPr>
+          <p:cNvPr id="28" name="Snip Single Corner Rectangle 27"/>
+          <p:cNvSpPr/>
+          <p:nvPr/>
+        </p:nvSpPr>
+        <p:spPr>
+          <a:xfrm>
+            <a:off x="2324735" y="1922780"/>
+            <a:ext cx="1554480" cy="1169670"/>
+          </a:xfrm>
+          <a:prstGeom prst="snip1Rect">
+            <a:avLst/>
+          </a:prstGeom>
+        </p:spPr>
+        <p:style>
+          <a:lnRef idx="2">
+            <a:schemeClr val="accent4">
+              <a:shade val="50000"/>
+            </a:schemeClr>
+          </a:lnRef>
+          <a:fillRef idx="1">
+            <a:schemeClr val="accent4"/>
+          </a:fillRef>
+          <a:effectRef idx="0">
+            <a:schemeClr val="accent4"/>
+          </a:effectRef>
+          <a:fontRef idx="minor">
+            <a:schemeClr val="lt1"/>
+          </a:fontRef>
+        </p:style>
+        <p:txBody>
+          <a:bodyPr rtlCol="0" anchor="ctr"/>
+          <a:p>
+            <a:pPr algn="ctr"/>
+            <a:endParaRPr lang="en-US"/>
+          </a:p>
+        </p:txBody>
+      </p:sp>
+      <p:sp>
+        <p:nvSpPr>
+          <p:cNvPr id="2" name="Title 1"/>
+          <p:cNvSpPr>
+            <a:spLocks noGrp="true"/>
+          </p:cNvSpPr>
+          <p:nvPr>
+            <p:ph type="title"/>
+          </p:nvPr>
+        </p:nvSpPr>
+        <p:spPr>
+          <a:xfrm>
+            <a:off x="600075" y="517684"/>
+            <a:ext cx="10515600" cy="1325563"/>
+          </a:xfrm>
+        </p:spPr>
+        <p:txBody>
+          <a:bodyPr>
+            <a:normAutofit fontScale="90000"/>
+          </a:bodyPr>
+          <a:p>
+            <a:r>
+              <a:rPr lang="ru-RU" altLang="en-US">
+                <a:effectLst/>
+                <a:latin typeface="JetBrains Mono Light" panose="020B0309020102050004" charset="0"/>
+                <a:cs typeface="JetBrains Mono Light" panose="020B0309020102050004" charset="0"/>
+              </a:rPr>
+              <a:t>Окно добавления</a:t>
+            </a:r>
+            <a:r>
+              <a:rPr lang="en-US" altLang="ru-RU">
+                <a:effectLst/>
+                <a:latin typeface="JetBrains Mono Light" panose="020B0309020102050004" charset="0"/>
+                <a:cs typeface="JetBrains Mono Light" panose="020B0309020102050004" charset="0"/>
+              </a:rPr>
+              <a:t>/</a:t>
+            </a:r>
+            <a:r>
+              <a:rPr lang="ru-RU" altLang="en-US">
+                <a:effectLst/>
+                <a:latin typeface="JetBrains Mono Light" panose="020B0309020102050004" charset="0"/>
+                <a:cs typeface="JetBrains Mono Light" panose="020B0309020102050004" charset="0"/>
+              </a:rPr>
+              <a:t>изменения будильника</a:t>
+            </a:r>
+            <a:endParaRPr lang="ru-RU" altLang="en-US">
+              <a:effectLst/>
+              <a:latin typeface="JetBrains Mono Light" panose="020B0309020102050004" charset="0"/>
+              <a:cs typeface="JetBrains Mono Light" panose="020B0309020102050004" charset="0"/>
+            </a:endParaRPr>
+          </a:p>
+        </p:txBody>
+      </p:sp>
+      <p:pic>
+        <p:nvPicPr>
+          <p:cNvPr id="8" name="Picture 7" descr="photodraw.ru-76973"/>
+          <p:cNvPicPr>
+            <a:picLocks noChangeAspect="true"/>
+          </p:cNvPicPr>
+          <p:nvPr/>
+        </p:nvPicPr>
+        <p:blipFill>
+          <a:blip r:embed="rId1"/>
+          <a:stretch>
+            <a:fillRect/>
+          </a:stretch>
+        </p:blipFill>
+        <p:spPr>
+          <a:xfrm>
+            <a:off x="11445875" y="7620"/>
+            <a:ext cx="702310" cy="683260"/>
+          </a:xfrm>
+          <a:prstGeom prst="rect">
+            <a:avLst/>
+          </a:prstGeom>
+        </p:spPr>
+      </p:pic>
+      <p:pic>
+        <p:nvPicPr>
+          <p:cNvPr id="4" name="Picture 3" descr="Screenshot_20201129_180050"/>
+          <p:cNvPicPr>
+            <a:picLocks noChangeAspect="true"/>
+          </p:cNvPicPr>
+          <p:nvPr/>
+        </p:nvPicPr>
+        <p:blipFill>
+          <a:blip r:embed="rId2"/>
+          <a:stretch>
+            <a:fillRect/>
+          </a:stretch>
+        </p:blipFill>
+        <p:spPr>
+          <a:xfrm>
+            <a:off x="4214495" y="1843405"/>
+            <a:ext cx="3762375" cy="4829175"/>
+          </a:xfrm>
+          <a:prstGeom prst="rect">
+            <a:avLst/>
+          </a:prstGeom>
+        </p:spPr>
+      </p:pic>
+      <p:sp>
+        <p:nvSpPr>
+          <p:cNvPr id="5" name="Text Box 4"/>
+          <p:cNvSpPr txBox="true"/>
+          <p:nvPr/>
+        </p:nvSpPr>
+        <p:spPr>
+          <a:xfrm>
+            <a:off x="2402840" y="2185035"/>
+            <a:ext cx="1398270" cy="645160"/>
+          </a:xfrm>
+          <a:prstGeom prst="rect">
+            <a:avLst/>
+          </a:prstGeom>
+          <a:noFill/>
+        </p:spPr>
+        <p:txBody>
+          <a:bodyPr wrap="square" rtlCol="0">
+            <a:spAutoFit/>
+          </a:bodyPr>
+          <a:p>
+            <a:r>
+              <a:rPr lang="ru-RU" altLang="en-US">
+                <a:latin typeface="JetBrains Mono Semi Light" panose="020B0509020102050004" charset="0"/>
+                <a:cs typeface="JetBrains Mono Semi Light" panose="020B0509020102050004" charset="0"/>
+              </a:rPr>
+              <a:t>Выбираем дату</a:t>
+            </a:r>
+            <a:endParaRPr lang="ru-RU" altLang="en-US">
+              <a:latin typeface="JetBrains Mono Semi Light" panose="020B0509020102050004" charset="0"/>
+              <a:cs typeface="JetBrains Mono Semi Light" panose="020B0509020102050004" charset="0"/>
+            </a:endParaRPr>
+          </a:p>
+        </p:txBody>
+      </p:sp>
+      <p:cxnSp>
+        <p:nvCxnSpPr>
+          <p:cNvPr id="9" name="Straight Arrow Connector 8"/>
+          <p:cNvCxnSpPr/>
+          <p:nvPr/>
+        </p:nvCxnSpPr>
+        <p:spPr>
+          <a:xfrm>
+            <a:off x="3676650" y="2578735"/>
+            <a:ext cx="1367155" cy="269240"/>
+          </a:xfrm>
+          <a:prstGeom prst="straightConnector1">
+            <a:avLst/>
+          </a:prstGeom>
+          <a:ln>
+            <a:tailEnd type="arrow" w="med" len="med"/>
+          </a:ln>
+        </p:spPr>
+        <p:style>
+          <a:lnRef idx="3">
+            <a:schemeClr val="accent2"/>
+          </a:lnRef>
+          <a:fillRef idx="0">
+            <a:schemeClr val="accent2"/>
+          </a:fillRef>
+          <a:effectRef idx="2">
+            <a:schemeClr val="accent2"/>
+          </a:effectRef>
+          <a:fontRef idx="minor">
+            <a:schemeClr val="tx1"/>
+          </a:fontRef>
+        </p:style>
+      </p:cxnSp>
+      <p:sp>
+        <p:nvSpPr>
+          <p:cNvPr id="6" name="Snip Single Corner Rectangle 5"/>
+          <p:cNvSpPr/>
+          <p:nvPr/>
+        </p:nvSpPr>
+        <p:spPr>
+          <a:xfrm>
+            <a:off x="2324735" y="3482975"/>
+            <a:ext cx="1802765" cy="1439545"/>
+          </a:xfrm>
+          <a:prstGeom prst="snip1Rect">
+            <a:avLst/>
+          </a:prstGeom>
+        </p:spPr>
+        <p:style>
+          <a:lnRef idx="2">
+            <a:schemeClr val="accent4">
+              <a:shade val="50000"/>
+            </a:schemeClr>
+          </a:lnRef>
+          <a:fillRef idx="1">
+            <a:schemeClr val="accent4"/>
+          </a:fillRef>
+          <a:effectRef idx="0">
+            <a:schemeClr val="accent4"/>
+          </a:effectRef>
+          <a:fontRef idx="minor">
+            <a:schemeClr val="lt1"/>
+          </a:fontRef>
+        </p:style>
+        <p:txBody>
+          <a:bodyPr rtlCol="0" anchor="ctr"/>
+          <a:p>
+            <a:pPr algn="ctr"/>
+            <a:endParaRPr lang="en-US"/>
+          </a:p>
+        </p:txBody>
+      </p:sp>
+      <p:sp>
+        <p:nvSpPr>
+          <p:cNvPr id="7" name="Snip Single Corner Rectangle 6"/>
+          <p:cNvSpPr/>
+          <p:nvPr/>
+        </p:nvSpPr>
+        <p:spPr>
+          <a:xfrm>
+            <a:off x="8501380" y="5043805"/>
+            <a:ext cx="1554480" cy="921385"/>
+          </a:xfrm>
+          <a:prstGeom prst="snip1Rect">
+            <a:avLst/>
+          </a:prstGeom>
+        </p:spPr>
+        <p:style>
+          <a:lnRef idx="2">
+            <a:schemeClr val="accent4">
+              <a:shade val="50000"/>
+            </a:schemeClr>
+          </a:lnRef>
+          <a:fillRef idx="1">
+            <a:schemeClr val="accent4"/>
+          </a:fillRef>
+          <a:effectRef idx="0">
+            <a:schemeClr val="accent4"/>
+          </a:effectRef>
+          <a:fontRef idx="minor">
+            <a:schemeClr val="lt1"/>
+          </a:fontRef>
+        </p:style>
+        <p:txBody>
+          <a:bodyPr rtlCol="0" anchor="ctr"/>
+          <a:p>
+            <a:pPr algn="ctr"/>
+            <a:endParaRPr lang="en-US"/>
+          </a:p>
+        </p:txBody>
+      </p:sp>
+      <p:sp>
+        <p:nvSpPr>
+          <p:cNvPr id="10" name="Snip Single Corner Rectangle 9"/>
+          <p:cNvSpPr/>
+          <p:nvPr/>
+        </p:nvSpPr>
+        <p:spPr>
+          <a:xfrm>
+            <a:off x="2324735" y="5043805"/>
+            <a:ext cx="1554480" cy="1551305"/>
+          </a:xfrm>
+          <a:prstGeom prst="snip1Rect">
+            <a:avLst/>
+          </a:prstGeom>
+        </p:spPr>
+        <p:style>
+          <a:lnRef idx="2">
+            <a:schemeClr val="accent4">
+              <a:shade val="50000"/>
+            </a:schemeClr>
+          </a:lnRef>
+          <a:fillRef idx="1">
+            <a:schemeClr val="accent4"/>
+          </a:fillRef>
+          <a:effectRef idx="0">
+            <a:schemeClr val="accent4"/>
+          </a:effectRef>
+          <a:fontRef idx="minor">
+            <a:schemeClr val="lt1"/>
+          </a:fontRef>
+        </p:style>
+        <p:txBody>
+          <a:bodyPr rtlCol="0" anchor="ctr"/>
+          <a:p>
+            <a:pPr algn="ctr"/>
+            <a:endParaRPr lang="en-US"/>
+          </a:p>
+        </p:txBody>
+      </p:sp>
+      <p:cxnSp>
+        <p:nvCxnSpPr>
           <p:cNvPr id="11" name="Straight Arrow Connector 10"/>
           <p:cNvCxnSpPr/>
           <p:nvPr/>
         </p:nvCxnSpPr>
         <p:spPr>
           <a:xfrm flipV="true">
-            <a:off x="2961640" y="6135370"/>
-            <a:ext cx="798195" cy="267335"/>
+            <a:off x="3365500" y="5479415"/>
+            <a:ext cx="1264285" cy="288290"/>
           </a:xfrm>
           <a:prstGeom prst="straightConnector1">
             <a:avLst/>
@@ -4951,9 +5406,9 @@
           <p:nvPr/>
         </p:nvCxnSpPr>
         <p:spPr>
-          <a:xfrm flipH="true" flipV="true">
-            <a:off x="6753225" y="6135370"/>
-            <a:ext cx="3688080" cy="381000"/>
+          <a:xfrm flipV="true">
+            <a:off x="3879215" y="4070350"/>
+            <a:ext cx="916305" cy="47625"/>
           </a:xfrm>
           <a:prstGeom prst="straightConnector1">
             <a:avLst/>
@@ -4985,8 +5440,8 @@
         </p:nvCxnSpPr>
         <p:spPr>
           <a:xfrm flipH="true">
-            <a:off x="9291320" y="4703445"/>
-            <a:ext cx="1170940" cy="1403350"/>
+            <a:off x="7478395" y="5800090"/>
+            <a:ext cx="1129030" cy="252095"/>
           </a:xfrm>
           <a:prstGeom prst="straightConnector1">
             <a:avLst/>
@@ -5012,14 +5467,14 @@
       </p:cxnSp>
       <p:sp>
         <p:nvSpPr>
-          <p:cNvPr id="15" name="Text Box 14"/>
+          <p:cNvPr id="14" name="Text Box 13"/>
           <p:cNvSpPr txBox="true"/>
           <p:nvPr/>
         </p:nvSpPr>
         <p:spPr>
           <a:xfrm>
-            <a:off x="102870" y="1273175"/>
-            <a:ext cx="1678940" cy="829945"/>
+            <a:off x="2324735" y="3651250"/>
+            <a:ext cx="1889760" cy="1198880"/>
           </a:xfrm>
           <a:prstGeom prst="rect">
             <a:avLst/>
@@ -5032,29 +5487,29 @@
           </a:bodyPr>
           <a:p>
             <a:r>
-              <a:rPr lang="ru-RU" altLang="en-US" sz="1600">
-                <a:latin typeface="JetBrains Mono Light" panose="020B0309020102050004" charset="0"/>
-                <a:cs typeface="JetBrains Mono Light" panose="020B0309020102050004" charset="0"/>
+              <a:rPr lang="ru-RU" altLang="en-US">
+                <a:latin typeface="JetBrains Mono Semi Light" panose="020B0509020102050004" charset="0"/>
+                <a:cs typeface="JetBrains Mono Semi Light" panose="020B0509020102050004" charset="0"/>
               </a:rPr>
-              <a:t>Поле для ввода примечания</a:t>
-            </a:r>
-            <a:endParaRPr lang="ru-RU" altLang="en-US" sz="1600">
-              <a:latin typeface="JetBrains Mono Light" panose="020B0309020102050004" charset="0"/>
-              <a:cs typeface="JetBrains Mono Light" panose="020B0309020102050004" charset="0"/>
+              <a:t>Поле для записи комментариев к будильнику</a:t>
+            </a:r>
+            <a:endParaRPr lang="ru-RU" altLang="en-US">
+              <a:latin typeface="JetBrains Mono Semi Light" panose="020B0509020102050004" charset="0"/>
+              <a:cs typeface="JetBrains Mono Semi Light" panose="020B0509020102050004" charset="0"/>
             </a:endParaRPr>
           </a:p>
         </p:txBody>
       </p:sp>
       <p:sp>
         <p:nvSpPr>
-          <p:cNvPr id="16" name="Text Box 15"/>
+          <p:cNvPr id="15" name="Text Box 14"/>
           <p:cNvSpPr txBox="true"/>
           <p:nvPr/>
         </p:nvSpPr>
         <p:spPr>
           <a:xfrm>
-            <a:off x="102235" y="2601595"/>
-            <a:ext cx="1679575" cy="829945"/>
+            <a:off x="2364105" y="5119370"/>
+            <a:ext cx="1475740" cy="1476375"/>
           </a:xfrm>
           <a:prstGeom prst="rect">
             <a:avLst/>
@@ -5067,29 +5522,29 @@
           </a:bodyPr>
           <a:p>
             <a:r>
-              <a:rPr lang="ru-RU" altLang="en-US" sz="1600">
-                <a:latin typeface="JetBrains Mono Light" panose="020B0309020102050004" charset="0"/>
-                <a:cs typeface="JetBrains Mono Light" panose="020B0309020102050004" charset="0"/>
+              <a:rPr lang="ru-RU" altLang="en-US">
+                <a:latin typeface="JetBrains Mono Semi Light" panose="020B0509020102050004" charset="0"/>
+                <a:cs typeface="JetBrains Mono Semi Light" panose="020B0509020102050004" charset="0"/>
               </a:rPr>
-              <a:t>Кнопка для добавления напоминания</a:t>
-            </a:r>
-            <a:endParaRPr lang="ru-RU" altLang="en-US" sz="1600">
-              <a:latin typeface="JetBrains Mono Light" panose="020B0309020102050004" charset="0"/>
-              <a:cs typeface="JetBrains Mono Light" panose="020B0309020102050004" charset="0"/>
+              <a:t>Кнопка вызова меню изменения мелодии</a:t>
+            </a:r>
+            <a:endParaRPr lang="ru-RU" altLang="en-US">
+              <a:latin typeface="JetBrains Mono Semi Light" panose="020B0509020102050004" charset="0"/>
+              <a:cs typeface="JetBrains Mono Semi Light" panose="020B0509020102050004" charset="0"/>
             </a:endParaRPr>
           </a:p>
         </p:txBody>
       </p:sp>
       <p:sp>
         <p:nvSpPr>
-          <p:cNvPr id="18" name="Text Box 17"/>
+          <p:cNvPr id="16" name="Text Box 15"/>
           <p:cNvSpPr txBox="true"/>
           <p:nvPr/>
         </p:nvSpPr>
         <p:spPr>
           <a:xfrm>
-            <a:off x="154305" y="3686810"/>
-            <a:ext cx="1502410" cy="1322070"/>
+            <a:off x="8500745" y="5122545"/>
+            <a:ext cx="1554480" cy="645160"/>
           </a:xfrm>
           <a:prstGeom prst="rect">
             <a:avLst/>
@@ -5102,368 +5557,19 @@
           </a:bodyPr>
           <a:p>
             <a:r>
-              <a:rPr lang="ru-RU" altLang="en-US" sz="1600">
-                <a:latin typeface="JetBrains Mono Light" panose="020B0309020102050004" charset="0"/>
-                <a:cs typeface="JetBrains Mono Light" panose="020B0309020102050004" charset="0"/>
+              <a:rPr lang="ru-RU" altLang="en-US">
+                <a:latin typeface="JetBrains Mono Semi Light" panose="020B0509020102050004" charset="0"/>
+                <a:cs typeface="JetBrains Mono Semi Light" panose="020B0509020102050004" charset="0"/>
               </a:rPr>
-              <a:t>Кнопка для сохранения </a:t>
-            </a:r>
-            <a:r>
-              <a:rPr lang="ru-RU" altLang="en-US" sz="1600" b="1">
-                <a:latin typeface="JetBrains Mono Light" panose="020B0309020102050004" charset="0"/>
-                <a:cs typeface="JetBrains Mono Light" panose="020B0309020102050004" charset="0"/>
-              </a:rPr>
-              <a:t>изменений</a:t>
-            </a:r>
-            <a:r>
-              <a:rPr lang="ru-RU" altLang="en-US" sz="1600">
-                <a:latin typeface="JetBrains Mono Light" panose="020B0309020102050004" charset="0"/>
-                <a:cs typeface="JetBrains Mono Light" panose="020B0309020102050004" charset="0"/>
-              </a:rPr>
-              <a:t> в запись будильника</a:t>
-            </a:r>
-            <a:endParaRPr lang="ru-RU" altLang="en-US" sz="1600">
-              <a:latin typeface="JetBrains Mono Light" panose="020B0309020102050004" charset="0"/>
-              <a:cs typeface="JetBrains Mono Light" panose="020B0309020102050004" charset="0"/>
+              <a:t>Кнопка сохранения</a:t>
+            </a:r>
+            <a:endParaRPr lang="ru-RU" altLang="en-US">
+              <a:latin typeface="JetBrains Mono Semi Light" panose="020B0509020102050004" charset="0"/>
+              <a:cs typeface="JetBrains Mono Semi Light" panose="020B0509020102050004" charset="0"/>
             </a:endParaRPr>
           </a:p>
         </p:txBody>
       </p:sp>
-      <p:sp>
-        <p:nvSpPr>
-          <p:cNvPr id="19" name="Text Box 18"/>
-          <p:cNvSpPr txBox="true"/>
-          <p:nvPr/>
-        </p:nvSpPr>
-        <p:spPr>
-          <a:xfrm>
-            <a:off x="154305" y="5314315"/>
-            <a:ext cx="1679575" cy="1076325"/>
-          </a:xfrm>
-          <a:prstGeom prst="rect">
-            <a:avLst/>
-          </a:prstGeom>
-          <a:noFill/>
-        </p:spPr>
-        <p:txBody>
-          <a:bodyPr wrap="square" rtlCol="0">
-            <a:spAutoFit/>
-          </a:bodyPr>
-          <a:p>
-            <a:r>
-              <a:rPr lang="ru-RU" altLang="en-US" sz="1600">
-                <a:latin typeface="JetBrains Mono Light" panose="020B0309020102050004" charset="0"/>
-                <a:cs typeface="JetBrains Mono Light" panose="020B0309020102050004" charset="0"/>
-              </a:rPr>
-              <a:t>Кнопка вызова меню изменения циферблата</a:t>
-            </a:r>
-            <a:endParaRPr lang="ru-RU" altLang="en-US" sz="1600">
-              <a:latin typeface="JetBrains Mono Light" panose="020B0309020102050004" charset="0"/>
-              <a:cs typeface="JetBrains Mono Light" panose="020B0309020102050004" charset="0"/>
-            </a:endParaRPr>
-          </a:p>
-        </p:txBody>
-      </p:sp>
-      <p:sp>
-        <p:nvSpPr>
-          <p:cNvPr id="20" name="Text Box 19"/>
-          <p:cNvSpPr txBox="true"/>
-          <p:nvPr/>
-        </p:nvSpPr>
-        <p:spPr>
-          <a:xfrm>
-            <a:off x="2104390" y="6323330"/>
-            <a:ext cx="3211830" cy="583565"/>
-          </a:xfrm>
-          <a:prstGeom prst="rect">
-            <a:avLst/>
-          </a:prstGeom>
-          <a:noFill/>
-        </p:spPr>
-        <p:txBody>
-          <a:bodyPr wrap="square" rtlCol="0">
-            <a:spAutoFit/>
-          </a:bodyPr>
-          <a:p>
-            <a:r>
-              <a:rPr lang="ru-RU" altLang="en-US" sz="1600">
-                <a:latin typeface="JetBrains Mono Light" panose="020B0309020102050004" charset="0"/>
-                <a:cs typeface="JetBrains Mono Light" panose="020B0309020102050004" charset="0"/>
-              </a:rPr>
-              <a:t>Кнопка вызова меню изменения мелодии</a:t>
-            </a:r>
-            <a:endParaRPr lang="ru-RU" altLang="en-US" sz="1600">
-              <a:latin typeface="JetBrains Mono Light" panose="020B0309020102050004" charset="0"/>
-              <a:cs typeface="JetBrains Mono Light" panose="020B0309020102050004" charset="0"/>
-            </a:endParaRPr>
-          </a:p>
-        </p:txBody>
-      </p:sp>
-      <p:sp>
-        <p:nvSpPr>
-          <p:cNvPr id="21" name="Text Box 20"/>
-          <p:cNvSpPr txBox="true"/>
-          <p:nvPr/>
-        </p:nvSpPr>
-        <p:spPr>
-          <a:xfrm>
-            <a:off x="10420350" y="5271770"/>
-            <a:ext cx="1409065" cy="1568450"/>
-          </a:xfrm>
-          <a:prstGeom prst="rect">
-            <a:avLst/>
-          </a:prstGeom>
-          <a:noFill/>
-        </p:spPr>
-        <p:txBody>
-          <a:bodyPr wrap="square" rtlCol="0">
-            <a:spAutoFit/>
-          </a:bodyPr>
-          <a:p>
-            <a:r>
-              <a:rPr lang="ru-RU" altLang="en-US" sz="1600">
-                <a:latin typeface="JetBrains Mono Light" panose="020B0309020102050004" charset="0"/>
-                <a:cs typeface="JetBrains Mono Light" panose="020B0309020102050004" charset="0"/>
-              </a:rPr>
-              <a:t>Кнопка принудительного обновления данных из БД</a:t>
-            </a:r>
-            <a:endParaRPr lang="ru-RU" altLang="en-US" sz="1600">
-              <a:latin typeface="JetBrains Mono Light" panose="020B0309020102050004" charset="0"/>
-              <a:cs typeface="JetBrains Mono Light" panose="020B0309020102050004" charset="0"/>
-            </a:endParaRPr>
-          </a:p>
-        </p:txBody>
-      </p:sp>
-      <p:sp>
-        <p:nvSpPr>
-          <p:cNvPr id="22" name="Text Box 21"/>
-          <p:cNvSpPr txBox="true"/>
-          <p:nvPr/>
-        </p:nvSpPr>
-        <p:spPr>
-          <a:xfrm>
-            <a:off x="10420350" y="4019550"/>
-            <a:ext cx="1522730" cy="1076325"/>
-          </a:xfrm>
-          <a:prstGeom prst="rect">
-            <a:avLst/>
-          </a:prstGeom>
-          <a:noFill/>
-        </p:spPr>
-        <p:txBody>
-          <a:bodyPr wrap="square" rtlCol="0">
-            <a:spAutoFit/>
-          </a:bodyPr>
-          <a:p>
-            <a:r>
-              <a:rPr lang="ru-RU" altLang="en-US" sz="1600">
-                <a:latin typeface="JetBrains Mono Light" panose="020B0309020102050004" charset="0"/>
-                <a:cs typeface="JetBrains Mono Light" panose="020B0309020102050004" charset="0"/>
-              </a:rPr>
-              <a:t>Кнопка для удаления записи будильника</a:t>
-            </a:r>
-            <a:endParaRPr lang="ru-RU" altLang="en-US" sz="1600">
-              <a:latin typeface="JetBrains Mono Light" panose="020B0309020102050004" charset="0"/>
-              <a:cs typeface="JetBrains Mono Light" panose="020B0309020102050004" charset="0"/>
-            </a:endParaRPr>
-          </a:p>
-        </p:txBody>
-      </p:sp>
-      <p:cxnSp>
-        <p:nvCxnSpPr>
-          <p:cNvPr id="23" name="Straight Arrow Connector 22"/>
-          <p:cNvCxnSpPr/>
-          <p:nvPr/>
-        </p:nvCxnSpPr>
-        <p:spPr>
-          <a:xfrm flipH="true" flipV="true">
-            <a:off x="8887460" y="2527935"/>
-            <a:ext cx="1616075" cy="280035"/>
-          </a:xfrm>
-          <a:prstGeom prst="straightConnector1">
-            <a:avLst/>
-          </a:prstGeom>
-          <a:ln>
-            <a:tailEnd type="arrow" w="med" len="med"/>
-          </a:ln>
-        </p:spPr>
-        <p:style>
-          <a:lnRef idx="3">
-            <a:schemeClr val="accent2"/>
-          </a:lnRef>
-          <a:fillRef idx="0">
-            <a:schemeClr val="accent2"/>
-          </a:fillRef>
-          <a:effectRef idx="2">
-            <a:schemeClr val="accent2"/>
-          </a:effectRef>
-          <a:fontRef idx="minor">
-            <a:schemeClr val="tx1"/>
-          </a:fontRef>
-        </p:style>
-      </p:cxnSp>
-      <p:sp>
-        <p:nvSpPr>
-          <p:cNvPr id="24" name="Text Box 23"/>
-          <p:cNvSpPr txBox="true"/>
-          <p:nvPr/>
-        </p:nvSpPr>
-        <p:spPr>
-          <a:xfrm>
-            <a:off x="10420350" y="1038860"/>
-            <a:ext cx="1512570" cy="2553335"/>
-          </a:xfrm>
-          <a:prstGeom prst="rect">
-            <a:avLst/>
-          </a:prstGeom>
-          <a:noFill/>
-        </p:spPr>
-        <p:txBody>
-          <a:bodyPr wrap="square" rtlCol="0">
-            <a:spAutoFit/>
-          </a:bodyPr>
-          <a:p>
-            <a:r>
-              <a:rPr lang="ru-RU" altLang="en-US" sz="1600">
-                <a:latin typeface="JetBrains Mono Light" panose="020B0309020102050004" charset="0"/>
-                <a:cs typeface="JetBrains Mono Light" panose="020B0309020102050004" charset="0"/>
-              </a:rPr>
-              <a:t>Таблица с напоминаниями. (Для внесения изменений необходимо нажать на строку с нужной записью)</a:t>
-            </a:r>
-            <a:endParaRPr lang="ru-RU" altLang="en-US" sz="1600">
-              <a:latin typeface="JetBrains Mono Light" panose="020B0309020102050004" charset="0"/>
-              <a:cs typeface="JetBrains Mono Light" panose="020B0309020102050004" charset="0"/>
-            </a:endParaRPr>
-          </a:p>
-        </p:txBody>
-      </p:sp>
-      <p:pic>
-        <p:nvPicPr>
-          <p:cNvPr id="33" name="Picture 32" descr="photodraw.ru-76973"/>
-          <p:cNvPicPr>
-            <a:picLocks noChangeAspect="true"/>
-          </p:cNvPicPr>
-          <p:nvPr/>
-        </p:nvPicPr>
-        <p:blipFill>
-          <a:blip r:embed="rId2"/>
-          <a:stretch>
-            <a:fillRect/>
-          </a:stretch>
-        </p:blipFill>
-        <p:spPr>
-          <a:xfrm>
-            <a:off x="11445875" y="7620"/>
-            <a:ext cx="702310" cy="683260"/>
-          </a:xfrm>
-          <a:prstGeom prst="rect">
-            <a:avLst/>
-          </a:prstGeom>
-        </p:spPr>
-      </p:pic>
-    </p:spTree>
-  </p:cSld>
-  <p:clrMapOvr>
-    <a:masterClrMapping/>
-  </p:clrMapOvr>
-</p:sld>
-</file>
-
-<file path=ppt/slides/slide7.xml><?xml version="1.0" encoding="utf-8"?>
-<p:sld xmlns:a="http://schemas.openxmlformats.org/drawingml/2006/main" xmlns:r="http://schemas.openxmlformats.org/officeDocument/2006/relationships" xmlns:p="http://schemas.openxmlformats.org/presentationml/2006/main">
-  <p:cSld>
-    <p:spTree>
-      <p:nvGrpSpPr>
-        <p:cNvPr id="1" name=""/>
-        <p:cNvGrpSpPr/>
-        <p:nvPr/>
-      </p:nvGrpSpPr>
-      <p:grpSpPr/>
-      <p:sp>
-        <p:nvSpPr>
-          <p:cNvPr id="2" name="Title 1"/>
-          <p:cNvSpPr>
-            <a:spLocks noGrp="true"/>
-          </p:cNvSpPr>
-          <p:nvPr>
-            <p:ph type="title"/>
-          </p:nvPr>
-        </p:nvSpPr>
-        <p:spPr>
-          <a:xfrm>
-            <a:off x="724535" y="228124"/>
-            <a:ext cx="10515600" cy="1325563"/>
-          </a:xfrm>
-        </p:spPr>
-        <p:txBody>
-          <a:bodyPr>
-            <a:normAutofit fontScale="90000"/>
-          </a:bodyPr>
-          <a:p>
-            <a:r>
-              <a:rPr lang="ru-RU" altLang="en-US">
-                <a:effectLst/>
-                <a:latin typeface="JetBrains Mono Light" panose="020B0309020102050004" charset="0"/>
-                <a:cs typeface="JetBrains Mono Light" panose="020B0309020102050004" charset="0"/>
-              </a:rPr>
-              <a:t>Окно выбора мелодии будильника</a:t>
-            </a:r>
-            <a:endParaRPr lang="ru-RU" altLang="en-US">
-              <a:effectLst/>
-              <a:latin typeface="JetBrains Mono Light" panose="020B0309020102050004" charset="0"/>
-              <a:cs typeface="JetBrains Mono Light" panose="020B0309020102050004" charset="0"/>
-            </a:endParaRPr>
-          </a:p>
-        </p:txBody>
-      </p:sp>
-      <p:pic>
-        <p:nvPicPr>
-          <p:cNvPr id="3" name="Picture 2" descr="Screenshot_20201118_221758"/>
-          <p:cNvPicPr>
-            <a:picLocks noChangeAspect="true"/>
-          </p:cNvPicPr>
-          <p:nvPr/>
-        </p:nvPicPr>
-        <p:blipFill>
-          <a:blip r:embed="rId1"/>
-          <a:stretch>
-            <a:fillRect/>
-          </a:stretch>
-        </p:blipFill>
-        <p:spPr>
-          <a:xfrm>
-            <a:off x="3780790" y="1657350"/>
-            <a:ext cx="3272155" cy="4446905"/>
-          </a:xfrm>
-          <a:prstGeom prst="rect">
-            <a:avLst/>
-          </a:prstGeom>
-        </p:spPr>
-      </p:pic>
-      <p:pic>
-        <p:nvPicPr>
-          <p:cNvPr id="8" name="Picture 7" descr="photodraw.ru-76973"/>
-          <p:cNvPicPr>
-            <a:picLocks noChangeAspect="true"/>
-          </p:cNvPicPr>
-          <p:nvPr/>
-        </p:nvPicPr>
-        <p:blipFill>
-          <a:blip r:embed="rId2"/>
-          <a:stretch>
-            <a:fillRect/>
-          </a:stretch>
-        </p:blipFill>
-        <p:spPr>
-          <a:xfrm>
-            <a:off x="11445875" y="7620"/>
-            <a:ext cx="702310" cy="683260"/>
-          </a:xfrm>
-          <a:prstGeom prst="rect">
-            <a:avLst/>
-          </a:prstGeom>
-        </p:spPr>
-      </p:pic>
     </p:spTree>
   </p:cSld>
   <p:clrMapOvr>
